--- a/documents/evaluation2.pptx
+++ b/documents/evaluation2.pptx
@@ -104,6 +104,11 @@
       </a:defRPr>
     </a:lvl9pPr>
   </p:defaultTextStyle>
+  <p:extLst>
+    <p:ext uri="{EFAFB233-063F-42B5-8137-9DF3F51BA10A}">
+      <p15:sldGuideLst xmlns:p15="http://schemas.microsoft.com/office/powerpoint/2012/main"/>
+    </p:ext>
+  </p:extLst>
 </p:presentation>
 </file>
 
@@ -158,16 +163,16 @@
               <c:strCache>
                 <c:ptCount val="5"/>
                 <c:pt idx="0">
-                  <c:v>Authentication Request Built</c:v>
+                  <c:v>Authentication Request Initiation</c:v>
                 </c:pt>
                 <c:pt idx="1">
-                  <c:v>Identity Proof Generated</c:v>
+                  <c:v>Identity Proof Generation</c:v>
                 </c:pt>
                 <c:pt idx="2">
-                  <c:v>Identity Proof Transmitted</c:v>
+                  <c:v>Identity Proof Transmitting</c:v>
                 </c:pt>
                 <c:pt idx="3">
-                  <c:v>Identity Proof Verified</c:v>
+                  <c:v>Identity Proof Verification</c:v>
                 </c:pt>
                 <c:pt idx="4">
                   <c:v>Total</c:v>
@@ -182,19 +187,19 @@
                 <c:formatCode>General</c:formatCode>
                 <c:ptCount val="5"/>
                 <c:pt idx="0">
-                  <c:v>13</c:v>
+                  <c:v>15</c:v>
                 </c:pt>
                 <c:pt idx="1">
-                  <c:v>35</c:v>
+                  <c:v>32</c:v>
                 </c:pt>
                 <c:pt idx="2">
-                  <c:v>20</c:v>
+                  <c:v>61</c:v>
                 </c:pt>
                 <c:pt idx="3">
-                  <c:v>1</c:v>
+                  <c:v>33</c:v>
                 </c:pt>
                 <c:pt idx="4">
-                  <c:v>69</c:v>
+                  <c:v>141</c:v>
                 </c:pt>
               </c:numCache>
             </c:numRef>
@@ -209,13 +214,13 @@
               <c:strCache>
                 <c:ptCount val="1"/>
                 <c:pt idx="0">
-                  <c:v>SPRESSO</c:v>
+                  <c:v>SPRESSO(Strong Agent)</c:v>
                 </c:pt>
               </c:strCache>
             </c:strRef>
           </c:tx>
           <c:spPr>
-            <a:pattFill prst="ltVert">
+            <a:pattFill prst="dkVert">
               <a:fgClr>
                 <a:schemeClr val="tx1"/>
               </a:fgClr>
@@ -237,16 +242,16 @@
               <c:strCache>
                 <c:ptCount val="5"/>
                 <c:pt idx="0">
-                  <c:v>Authentication Request Built</c:v>
+                  <c:v>Authentication Request Initiation</c:v>
                 </c:pt>
                 <c:pt idx="1">
-                  <c:v>Identity Proof Generated</c:v>
+                  <c:v>Identity Proof Generation</c:v>
                 </c:pt>
                 <c:pt idx="2">
-                  <c:v>Identity Proof Transmitted</c:v>
+                  <c:v>Identity Proof Transmitting</c:v>
                 </c:pt>
                 <c:pt idx="3">
-                  <c:v>Identity Proof Verified</c:v>
+                  <c:v>Identity Proof Verification</c:v>
                 </c:pt>
                 <c:pt idx="4">
                   <c:v>Total</c:v>
@@ -261,19 +266,19 @@
                 <c:formatCode>General</c:formatCode>
                 <c:ptCount val="5"/>
                 <c:pt idx="0">
-                  <c:v>71</c:v>
+                  <c:v>50</c:v>
                 </c:pt>
                 <c:pt idx="1">
-                  <c:v>71</c:v>
+                  <c:v>77</c:v>
                 </c:pt>
                 <c:pt idx="2">
-                  <c:v>140</c:v>
+                  <c:v>98</c:v>
                 </c:pt>
                 <c:pt idx="3">
-                  <c:v>13</c:v>
+                  <c:v>10</c:v>
                 </c:pt>
                 <c:pt idx="4">
-                  <c:v>295</c:v>
+                  <c:v>235</c:v>
                 </c:pt>
               </c:numCache>
             </c:numRef>
@@ -288,13 +293,13 @@
               <c:strCache>
                 <c:ptCount val="1"/>
                 <c:pt idx="0">
-                  <c:v>SPRESSO(Low-performance)</c:v>
+                  <c:v>SPRESSO(Weak Agent)</c:v>
                 </c:pt>
               </c:strCache>
             </c:strRef>
           </c:tx>
           <c:spPr>
-            <a:pattFill prst="ltHorz">
+            <a:pattFill prst="dkHorz">
               <a:fgClr>
                 <a:schemeClr val="tx1"/>
               </a:fgClr>
@@ -316,16 +321,16 @@
               <c:strCache>
                 <c:ptCount val="5"/>
                 <c:pt idx="0">
-                  <c:v>Authentication Request Built</c:v>
+                  <c:v>Authentication Request Initiation</c:v>
                 </c:pt>
                 <c:pt idx="1">
-                  <c:v>Identity Proof Generated</c:v>
+                  <c:v>Identity Proof Generation</c:v>
                 </c:pt>
                 <c:pt idx="2">
-                  <c:v>Identity Proof Transmitted</c:v>
+                  <c:v>Identity Proof Transmitting</c:v>
                 </c:pt>
                 <c:pt idx="3">
-                  <c:v>Identity Proof Verified</c:v>
+                  <c:v>Identity Proof Verification</c:v>
                 </c:pt>
                 <c:pt idx="4">
                   <c:v>Total</c:v>
@@ -340,19 +345,19 @@
                 <c:formatCode>General</c:formatCode>
                 <c:ptCount val="5"/>
                 <c:pt idx="0">
-                  <c:v>75</c:v>
+                  <c:v>38</c:v>
                 </c:pt>
                 <c:pt idx="1">
                   <c:v>77</c:v>
                 </c:pt>
                 <c:pt idx="2">
-                  <c:v>453</c:v>
+                  <c:v>243</c:v>
                 </c:pt>
                 <c:pt idx="3">
-                  <c:v>13</c:v>
+                  <c:v>15</c:v>
                 </c:pt>
                 <c:pt idx="4">
-                  <c:v>618</c:v>
+                  <c:v>373</c:v>
                 </c:pt>
               </c:numCache>
             </c:numRef>
@@ -373,14 +378,12 @@
             </c:strRef>
           </c:tx>
           <c:spPr>
-            <a:pattFill prst="ltDnDiag">
-              <a:fgClr>
-                <a:schemeClr val="tx1"/>
-              </a:fgClr>
-              <a:bgClr>
-                <a:schemeClr val="bg1"/>
-              </a:bgClr>
-            </a:pattFill>
+            <a:solidFill>
+              <a:schemeClr val="tx1">
+                <a:lumMod val="65000"/>
+                <a:lumOff val="35000"/>
+              </a:schemeClr>
+            </a:solidFill>
             <a:ln>
               <a:solidFill>
                 <a:schemeClr val="tx1"/>
@@ -395,16 +398,16 @@
               <c:strCache>
                 <c:ptCount val="5"/>
                 <c:pt idx="0">
-                  <c:v>Authentication Request Built</c:v>
+                  <c:v>Authentication Request Initiation</c:v>
                 </c:pt>
                 <c:pt idx="1">
-                  <c:v>Identity Proof Generated</c:v>
+                  <c:v>Identity Proof Generation</c:v>
                 </c:pt>
                 <c:pt idx="2">
-                  <c:v>Identity Proof Transmitted</c:v>
+                  <c:v>Identity Proof Transmitting</c:v>
                 </c:pt>
                 <c:pt idx="3">
-                  <c:v>Identity Proof Verified</c:v>
+                  <c:v>Identity Proof Verification</c:v>
                 </c:pt>
                 <c:pt idx="4">
                   <c:v>Total</c:v>
@@ -419,19 +422,19 @@
                 <c:formatCode>General</c:formatCode>
                 <c:ptCount val="5"/>
                 <c:pt idx="0">
-                  <c:v>91</c:v>
+                  <c:v>98</c:v>
                 </c:pt>
                 <c:pt idx="1">
-                  <c:v>40</c:v>
+                  <c:v>38</c:v>
                 </c:pt>
                 <c:pt idx="2">
-                  <c:v>21</c:v>
+                  <c:v>14</c:v>
                 </c:pt>
                 <c:pt idx="3">
                   <c:v>58</c:v>
                 </c:pt>
                 <c:pt idx="4">
-                  <c:v>210</c:v>
+                  <c:v>208</c:v>
                 </c:pt>
               </c:numCache>
             </c:numRef>
@@ -445,13 +448,13 @@
           <c:showPercent val="0"/>
           <c:showBubbleSize val="0"/>
         </c:dLbls>
-        <c:gapWidth val="219"/>
-        <c:overlap val="-27"/>
-        <c:axId val="-728450400"/>
-        <c:axId val="-728458560"/>
+        <c:gapWidth val="30"/>
+        <c:overlap val="-9"/>
+        <c:axId val="-727384480"/>
+        <c:axId val="-727383936"/>
       </c:barChart>
       <c:catAx>
-        <c:axId val="-728450400"/>
+        <c:axId val="-727384480"/>
         <c:scaling>
           <c:orientation val="minMax"/>
         </c:scaling>
@@ -476,7 +479,7 @@
           <a:lstStyle/>
           <a:p>
             <a:pPr>
-              <a:defRPr sz="2000" b="0" i="0" u="none" strike="noStrike" kern="1200" baseline="0">
+              <a:defRPr sz="2400" b="0" i="0" u="none" strike="noStrike" kern="1200" baseline="0">
                 <a:solidFill>
                   <a:schemeClr val="tx1"/>
                 </a:solidFill>
@@ -488,7 +491,7 @@
             <a:endParaRPr lang="zh-CN"/>
           </a:p>
         </c:txPr>
-        <c:crossAx val="-728458560"/>
+        <c:crossAx val="-727383936"/>
         <c:crosses val="autoZero"/>
         <c:auto val="1"/>
         <c:lblAlgn val="ctr"/>
@@ -496,7 +499,7 @@
         <c:noMultiLvlLbl val="0"/>
       </c:catAx>
       <c:valAx>
-        <c:axId val="-728458560"/>
+        <c:axId val="-727383936"/>
         <c:scaling>
           <c:orientation val="minMax"/>
         </c:scaling>
@@ -534,7 +537,7 @@
           <a:lstStyle/>
           <a:p>
             <a:pPr>
-              <a:defRPr sz="1600" b="0" i="0" u="none" strike="noStrike" kern="1200" baseline="0">
+              <a:defRPr sz="1800" b="0" i="0" u="none" strike="noStrike" kern="1200" baseline="0">
                 <a:solidFill>
                   <a:schemeClr val="tx1"/>
                 </a:solidFill>
@@ -546,7 +549,7 @@
             <a:endParaRPr lang="zh-CN"/>
           </a:p>
         </c:txPr>
-        <c:crossAx val="-728450400"/>
+        <c:crossAx val="-727384480"/>
         <c:crosses val="autoZero"/>
         <c:crossBetween val="between"/>
       </c:valAx>
@@ -560,6 +563,86 @@
     </c:plotArea>
     <c:legend>
       <c:legendPos val="b"/>
+      <c:legendEntry>
+        <c:idx val="0"/>
+        <c:txPr>
+          <a:bodyPr rot="0" spcFirstLastPara="1" vertOverflow="ellipsis" vert="horz" wrap="square" anchor="ctr" anchorCtr="1"/>
+          <a:lstStyle/>
+          <a:p>
+            <a:pPr>
+              <a:defRPr sz="2400" b="0" i="0" u="none" strike="noStrike" kern="1200" baseline="0">
+                <a:solidFill>
+                  <a:schemeClr val="tx1"/>
+                </a:solidFill>
+                <a:latin typeface="Times New Roman" panose="02020603050405020304" pitchFamily="18" charset="0"/>
+                <a:ea typeface="+mn-ea"/>
+                <a:cs typeface="+mn-cs"/>
+              </a:defRPr>
+            </a:pPr>
+            <a:endParaRPr lang="zh-CN"/>
+          </a:p>
+        </c:txPr>
+      </c:legendEntry>
+      <c:legendEntry>
+        <c:idx val="1"/>
+        <c:txPr>
+          <a:bodyPr rot="0" spcFirstLastPara="1" vertOverflow="ellipsis" vert="horz" wrap="square" anchor="ctr" anchorCtr="1"/>
+          <a:lstStyle/>
+          <a:p>
+            <a:pPr>
+              <a:defRPr lang="zh-CN" altLang="en-US" sz="2400" b="0" i="0" u="none" strike="noStrike" kern="1200" baseline="0">
+                <a:solidFill>
+                  <a:schemeClr val="tx1"/>
+                </a:solidFill>
+                <a:latin typeface="Times New Roman" panose="02020603050405020304" pitchFamily="18" charset="0"/>
+                <a:ea typeface="+mn-ea"/>
+                <a:cs typeface="+mn-cs"/>
+              </a:defRPr>
+            </a:pPr>
+            <a:endParaRPr lang="zh-CN"/>
+          </a:p>
+        </c:txPr>
+      </c:legendEntry>
+      <c:legendEntry>
+        <c:idx val="2"/>
+        <c:txPr>
+          <a:bodyPr rot="0" spcFirstLastPara="1" vertOverflow="ellipsis" vert="horz" wrap="square" anchor="ctr" anchorCtr="1"/>
+          <a:lstStyle/>
+          <a:p>
+            <a:pPr>
+              <a:defRPr lang="zh-CN" altLang="en-US" sz="2400" b="0" i="0" u="none" strike="noStrike" kern="1200" baseline="0">
+                <a:solidFill>
+                  <a:schemeClr val="tx1"/>
+                </a:solidFill>
+                <a:latin typeface="Times New Roman" panose="02020603050405020304" pitchFamily="18" charset="0"/>
+                <a:ea typeface="+mn-ea"/>
+                <a:cs typeface="+mn-cs"/>
+              </a:defRPr>
+            </a:pPr>
+            <a:endParaRPr lang="zh-CN"/>
+          </a:p>
+        </c:txPr>
+      </c:legendEntry>
+      <c:legendEntry>
+        <c:idx val="3"/>
+        <c:txPr>
+          <a:bodyPr rot="0" spcFirstLastPara="1" vertOverflow="ellipsis" vert="horz" wrap="square" anchor="ctr" anchorCtr="1"/>
+          <a:lstStyle/>
+          <a:p>
+            <a:pPr>
+              <a:defRPr lang="zh-CN" altLang="en-US" sz="2400" b="0" i="0" u="none" strike="noStrike" kern="1200" baseline="0">
+                <a:solidFill>
+                  <a:schemeClr val="tx1"/>
+                </a:solidFill>
+                <a:latin typeface="Times New Roman" panose="02020603050405020304" pitchFamily="18" charset="0"/>
+                <a:ea typeface="+mn-ea"/>
+                <a:cs typeface="+mn-cs"/>
+              </a:defRPr>
+            </a:pPr>
+            <a:endParaRPr lang="zh-CN"/>
+          </a:p>
+        </c:txPr>
+      </c:legendEntry>
       <c:layout/>
       <c:overlay val="0"/>
       <c:spPr>
@@ -574,7 +657,7 @@
         <a:lstStyle/>
         <a:p>
           <a:pPr>
-            <a:defRPr sz="1800" b="0" i="0" u="none" strike="noStrike" kern="1200" baseline="0">
+            <a:defRPr sz="2400" b="0" i="0" u="none" strike="noStrike" kern="1200" baseline="0">
               <a:solidFill>
                 <a:schemeClr val="tx1"/>
               </a:solidFill>
@@ -1290,7 +1373,7 @@
           <a:p>
             <a:fld id="{2EEC2C92-656E-4FE5-8C48-1B96565DA995}" type="datetimeFigureOut">
               <a:rPr lang="zh-CN" altLang="en-US" smtClean="0"/>
-              <a:t>2019/8/9</a:t>
+              <a:t>2019/8/16</a:t>
             </a:fld>
             <a:endParaRPr lang="zh-CN" altLang="en-US"/>
           </a:p>
@@ -1460,7 +1543,7 @@
           <a:p>
             <a:fld id="{2EEC2C92-656E-4FE5-8C48-1B96565DA995}" type="datetimeFigureOut">
               <a:rPr lang="zh-CN" altLang="en-US" smtClean="0"/>
-              <a:t>2019/8/9</a:t>
+              <a:t>2019/8/16</a:t>
             </a:fld>
             <a:endParaRPr lang="zh-CN" altLang="en-US"/>
           </a:p>
@@ -1640,7 +1723,7 @@
           <a:p>
             <a:fld id="{2EEC2C92-656E-4FE5-8C48-1B96565DA995}" type="datetimeFigureOut">
               <a:rPr lang="zh-CN" altLang="en-US" smtClean="0"/>
-              <a:t>2019/8/9</a:t>
+              <a:t>2019/8/16</a:t>
             </a:fld>
             <a:endParaRPr lang="zh-CN" altLang="en-US"/>
           </a:p>
@@ -1810,7 +1893,7 @@
           <a:p>
             <a:fld id="{2EEC2C92-656E-4FE5-8C48-1B96565DA995}" type="datetimeFigureOut">
               <a:rPr lang="zh-CN" altLang="en-US" smtClean="0"/>
-              <a:t>2019/8/9</a:t>
+              <a:t>2019/8/16</a:t>
             </a:fld>
             <a:endParaRPr lang="zh-CN" altLang="en-US"/>
           </a:p>
@@ -2056,7 +2139,7 @@
           <a:p>
             <a:fld id="{2EEC2C92-656E-4FE5-8C48-1B96565DA995}" type="datetimeFigureOut">
               <a:rPr lang="zh-CN" altLang="en-US" smtClean="0"/>
-              <a:t>2019/8/9</a:t>
+              <a:t>2019/8/16</a:t>
             </a:fld>
             <a:endParaRPr lang="zh-CN" altLang="en-US"/>
           </a:p>
@@ -2288,7 +2371,7 @@
           <a:p>
             <a:fld id="{2EEC2C92-656E-4FE5-8C48-1B96565DA995}" type="datetimeFigureOut">
               <a:rPr lang="zh-CN" altLang="en-US" smtClean="0"/>
-              <a:t>2019/8/9</a:t>
+              <a:t>2019/8/16</a:t>
             </a:fld>
             <a:endParaRPr lang="zh-CN" altLang="en-US"/>
           </a:p>
@@ -2655,7 +2738,7 @@
           <a:p>
             <a:fld id="{2EEC2C92-656E-4FE5-8C48-1B96565DA995}" type="datetimeFigureOut">
               <a:rPr lang="zh-CN" altLang="en-US" smtClean="0"/>
-              <a:t>2019/8/9</a:t>
+              <a:t>2019/8/16</a:t>
             </a:fld>
             <a:endParaRPr lang="zh-CN" altLang="en-US"/>
           </a:p>
@@ -2773,7 +2856,7 @@
           <a:p>
             <a:fld id="{2EEC2C92-656E-4FE5-8C48-1B96565DA995}" type="datetimeFigureOut">
               <a:rPr lang="zh-CN" altLang="en-US" smtClean="0"/>
-              <a:t>2019/8/9</a:t>
+              <a:t>2019/8/16</a:t>
             </a:fld>
             <a:endParaRPr lang="zh-CN" altLang="en-US"/>
           </a:p>
@@ -2868,7 +2951,7 @@
           <a:p>
             <a:fld id="{2EEC2C92-656E-4FE5-8C48-1B96565DA995}" type="datetimeFigureOut">
               <a:rPr lang="zh-CN" altLang="en-US" smtClean="0"/>
-              <a:t>2019/8/9</a:t>
+              <a:t>2019/8/16</a:t>
             </a:fld>
             <a:endParaRPr lang="zh-CN" altLang="en-US"/>
           </a:p>
@@ -3145,7 +3228,7 @@
           <a:p>
             <a:fld id="{2EEC2C92-656E-4FE5-8C48-1B96565DA995}" type="datetimeFigureOut">
               <a:rPr lang="zh-CN" altLang="en-US" smtClean="0"/>
-              <a:t>2019/8/9</a:t>
+              <a:t>2019/8/16</a:t>
             </a:fld>
             <a:endParaRPr lang="zh-CN" altLang="en-US"/>
           </a:p>
@@ -3398,7 +3481,7 @@
           <a:p>
             <a:fld id="{2EEC2C92-656E-4FE5-8C48-1B96565DA995}" type="datetimeFigureOut">
               <a:rPr lang="zh-CN" altLang="en-US" smtClean="0"/>
-              <a:t>2019/8/9</a:t>
+              <a:t>2019/8/16</a:t>
             </a:fld>
             <a:endParaRPr lang="zh-CN" altLang="en-US"/>
           </a:p>
@@ -3611,7 +3694,7 @@
           <a:p>
             <a:fld id="{2EEC2C92-656E-4FE5-8C48-1B96565DA995}" type="datetimeFigureOut">
               <a:rPr lang="zh-CN" altLang="en-US" smtClean="0"/>
-              <a:t>2019/8/9</a:t>
+              <a:t>2019/8/16</a:t>
             </a:fld>
             <a:endParaRPr lang="zh-CN" altLang="en-US"/>
           </a:p>
@@ -4023,14 +4106,14 @@
           <p:nvPr>
             <p:extLst>
               <p:ext uri="{D42A27DB-BD31-4B8C-83A1-F6EECF244321}">
-                <p14:modId xmlns:p14="http://schemas.microsoft.com/office/powerpoint/2010/main" val="3000356826"/>
+                <p14:modId xmlns:p14="http://schemas.microsoft.com/office/powerpoint/2010/main" val="4152923509"/>
               </p:ext>
             </p:extLst>
           </p:nvPr>
         </p:nvGraphicFramePr>
         <p:xfrm>
           <a:off x="0" y="190500"/>
-          <a:ext cx="12192000" cy="6667500"/>
+          <a:ext cx="12065957" cy="6667500"/>
         </p:xfrm>
         <a:graphic>
           <a:graphicData uri="http://schemas.openxmlformats.org/drawingml/2006/chart">
@@ -4046,8 +4129,8 @@
         </p:nvSpPr>
         <p:spPr>
           <a:xfrm>
-            <a:off x="533400" y="247650"/>
-            <a:ext cx="458780" cy="369332"/>
+            <a:off x="469392" y="0"/>
+            <a:ext cx="1087029" cy="369332"/>
           </a:xfrm>
           <a:prstGeom prst="rect">
             <a:avLst/>
@@ -4061,11 +4144,61 @@
           <a:lstStyle/>
           <a:p>
             <a:r>
+              <a:rPr lang="en-US" altLang="zh-CN" dirty="0" smtClean="0">
+                <a:latin typeface="Times New Roman" panose="02020603050405020304" pitchFamily="18" charset="0"/>
+                <a:cs typeface="Times New Roman" panose="02020603050405020304" pitchFamily="18" charset="0"/>
+              </a:rPr>
+              <a:t>Time(</a:t>
+            </a:r>
+            <a:r>
               <a:rPr lang="en-US" altLang="zh-CN" dirty="0" err="1" smtClean="0">
                 <a:latin typeface="Times New Roman" panose="02020603050405020304" pitchFamily="18" charset="0"/>
                 <a:cs typeface="Times New Roman" panose="02020603050405020304" pitchFamily="18" charset="0"/>
               </a:rPr>
               <a:t>ms</a:t>
+            </a:r>
+            <a:r>
+              <a:rPr lang="en-US" altLang="zh-CN" dirty="0" smtClean="0">
+                <a:latin typeface="Times New Roman" panose="02020603050405020304" pitchFamily="18" charset="0"/>
+                <a:cs typeface="Times New Roman" panose="02020603050405020304" pitchFamily="18" charset="0"/>
+              </a:rPr>
+              <a:t>)</a:t>
+            </a:r>
+            <a:endParaRPr lang="zh-CN" altLang="en-US" dirty="0">
+              <a:latin typeface="Times New Roman" panose="02020603050405020304" pitchFamily="18" charset="0"/>
+              <a:cs typeface="Times New Roman" panose="02020603050405020304" pitchFamily="18" charset="0"/>
+            </a:endParaRPr>
+          </a:p>
+        </p:txBody>
+      </p:sp>
+      <p:sp>
+        <p:nvSpPr>
+          <p:cNvPr id="4" name="文本框 3"/>
+          <p:cNvSpPr txBox="1"/>
+          <p:nvPr/>
+        </p:nvSpPr>
+        <p:spPr>
+          <a:xfrm>
+            <a:off x="11548872" y="5346954"/>
+            <a:ext cx="723275" cy="369332"/>
+          </a:xfrm>
+          <a:prstGeom prst="rect">
+            <a:avLst/>
+          </a:prstGeom>
+          <a:noFill/>
+        </p:spPr>
+        <p:txBody>
+          <a:bodyPr wrap="none" rtlCol="0">
+            <a:spAutoFit/>
+          </a:bodyPr>
+          <a:lstStyle/>
+          <a:p>
+            <a:r>
+              <a:rPr lang="en-US" altLang="zh-CN" dirty="0" smtClean="0">
+                <a:latin typeface="Times New Roman" panose="02020603050405020304" pitchFamily="18" charset="0"/>
+                <a:cs typeface="Times New Roman" panose="02020603050405020304" pitchFamily="18" charset="0"/>
+              </a:rPr>
+              <a:t>Phase</a:t>
             </a:r>
             <a:endParaRPr lang="zh-CN" altLang="en-US" dirty="0">
               <a:latin typeface="Times New Roman" panose="02020603050405020304" pitchFamily="18" charset="0"/>

--- a/documents/evaluation2.pptx
+++ b/documents/evaluation2.pptx
@@ -214,7 +214,7 @@
               <c:strCache>
                 <c:ptCount val="1"/>
                 <c:pt idx="0">
-                  <c:v>SPRESSO(Strong Agent)</c:v>
+                  <c:v>SPRESSO(Stronger Agent)</c:v>
                 </c:pt>
               </c:strCache>
             </c:strRef>
@@ -266,19 +266,19 @@
                 <c:formatCode>General</c:formatCode>
                 <c:ptCount val="5"/>
                 <c:pt idx="0">
-                  <c:v>50</c:v>
+                  <c:v>19</c:v>
                 </c:pt>
                 <c:pt idx="1">
-                  <c:v>77</c:v>
+                  <c:v>78</c:v>
                 </c:pt>
                 <c:pt idx="2">
-                  <c:v>98</c:v>
+                  <c:v>127</c:v>
                 </c:pt>
                 <c:pt idx="3">
-                  <c:v>10</c:v>
+                  <c:v>14</c:v>
                 </c:pt>
                 <c:pt idx="4">
-                  <c:v>235</c:v>
+                  <c:v>238</c:v>
                 </c:pt>
               </c:numCache>
             </c:numRef>
@@ -293,7 +293,7 @@
               <c:strCache>
                 <c:ptCount val="1"/>
                 <c:pt idx="0">
-                  <c:v>SPRESSO(Weak Agent)</c:v>
+                  <c:v>SPRESSO</c:v>
                 </c:pt>
               </c:strCache>
             </c:strRef>
@@ -345,19 +345,19 @@
                 <c:formatCode>General</c:formatCode>
                 <c:ptCount val="5"/>
                 <c:pt idx="0">
-                  <c:v>38</c:v>
+                  <c:v>19</c:v>
                 </c:pt>
                 <c:pt idx="1">
-                  <c:v>77</c:v>
+                  <c:v>79</c:v>
                 </c:pt>
                 <c:pt idx="2">
-                  <c:v>243</c:v>
+                  <c:v>193</c:v>
                 </c:pt>
                 <c:pt idx="3">
-                  <c:v>15</c:v>
+                  <c:v>17</c:v>
                 </c:pt>
                 <c:pt idx="4">
-                  <c:v>373</c:v>
+                  <c:v>308</c:v>
                 </c:pt>
               </c:numCache>
             </c:numRef>
@@ -450,11 +450,11 @@
         </c:dLbls>
         <c:gapWidth val="30"/>
         <c:overlap val="-9"/>
-        <c:axId val="-727384480"/>
-        <c:axId val="-727383936"/>
+        <c:axId val="1590166032"/>
+        <c:axId val="1590166576"/>
       </c:barChart>
       <c:catAx>
-        <c:axId val="-727384480"/>
+        <c:axId val="1590166032"/>
         <c:scaling>
           <c:orientation val="minMax"/>
         </c:scaling>
@@ -491,7 +491,7 @@
             <a:endParaRPr lang="zh-CN"/>
           </a:p>
         </c:txPr>
-        <c:crossAx val="-727383936"/>
+        <c:crossAx val="1590166576"/>
         <c:crosses val="autoZero"/>
         <c:auto val="1"/>
         <c:lblAlgn val="ctr"/>
@@ -499,7 +499,7 @@
         <c:noMultiLvlLbl val="0"/>
       </c:catAx>
       <c:valAx>
-        <c:axId val="-727383936"/>
+        <c:axId val="1590166576"/>
         <c:scaling>
           <c:orientation val="minMax"/>
         </c:scaling>
@@ -549,7 +549,7 @@
             <a:endParaRPr lang="zh-CN"/>
           </a:p>
         </c:txPr>
-        <c:crossAx val="-727384480"/>
+        <c:crossAx val="1590166032"/>
         <c:crosses val="autoZero"/>
         <c:crossBetween val="between"/>
       </c:valAx>
@@ -1373,7 +1373,7 @@
           <a:p>
             <a:fld id="{2EEC2C92-656E-4FE5-8C48-1B96565DA995}" type="datetimeFigureOut">
               <a:rPr lang="zh-CN" altLang="en-US" smtClean="0"/>
-              <a:t>2019/8/16</a:t>
+              <a:t>2019/8/20</a:t>
             </a:fld>
             <a:endParaRPr lang="zh-CN" altLang="en-US"/>
           </a:p>
@@ -1543,7 +1543,7 @@
           <a:p>
             <a:fld id="{2EEC2C92-656E-4FE5-8C48-1B96565DA995}" type="datetimeFigureOut">
               <a:rPr lang="zh-CN" altLang="en-US" smtClean="0"/>
-              <a:t>2019/8/16</a:t>
+              <a:t>2019/8/20</a:t>
             </a:fld>
             <a:endParaRPr lang="zh-CN" altLang="en-US"/>
           </a:p>
@@ -1723,7 +1723,7 @@
           <a:p>
             <a:fld id="{2EEC2C92-656E-4FE5-8C48-1B96565DA995}" type="datetimeFigureOut">
               <a:rPr lang="zh-CN" altLang="en-US" smtClean="0"/>
-              <a:t>2019/8/16</a:t>
+              <a:t>2019/8/20</a:t>
             </a:fld>
             <a:endParaRPr lang="zh-CN" altLang="en-US"/>
           </a:p>
@@ -1893,7 +1893,7 @@
           <a:p>
             <a:fld id="{2EEC2C92-656E-4FE5-8C48-1B96565DA995}" type="datetimeFigureOut">
               <a:rPr lang="zh-CN" altLang="en-US" smtClean="0"/>
-              <a:t>2019/8/16</a:t>
+              <a:t>2019/8/20</a:t>
             </a:fld>
             <a:endParaRPr lang="zh-CN" altLang="en-US"/>
           </a:p>
@@ -2139,7 +2139,7 @@
           <a:p>
             <a:fld id="{2EEC2C92-656E-4FE5-8C48-1B96565DA995}" type="datetimeFigureOut">
               <a:rPr lang="zh-CN" altLang="en-US" smtClean="0"/>
-              <a:t>2019/8/16</a:t>
+              <a:t>2019/8/20</a:t>
             </a:fld>
             <a:endParaRPr lang="zh-CN" altLang="en-US"/>
           </a:p>
@@ -2371,7 +2371,7 @@
           <a:p>
             <a:fld id="{2EEC2C92-656E-4FE5-8C48-1B96565DA995}" type="datetimeFigureOut">
               <a:rPr lang="zh-CN" altLang="en-US" smtClean="0"/>
-              <a:t>2019/8/16</a:t>
+              <a:t>2019/8/20</a:t>
             </a:fld>
             <a:endParaRPr lang="zh-CN" altLang="en-US"/>
           </a:p>
@@ -2738,7 +2738,7 @@
           <a:p>
             <a:fld id="{2EEC2C92-656E-4FE5-8C48-1B96565DA995}" type="datetimeFigureOut">
               <a:rPr lang="zh-CN" altLang="en-US" smtClean="0"/>
-              <a:t>2019/8/16</a:t>
+              <a:t>2019/8/20</a:t>
             </a:fld>
             <a:endParaRPr lang="zh-CN" altLang="en-US"/>
           </a:p>
@@ -2856,7 +2856,7 @@
           <a:p>
             <a:fld id="{2EEC2C92-656E-4FE5-8C48-1B96565DA995}" type="datetimeFigureOut">
               <a:rPr lang="zh-CN" altLang="en-US" smtClean="0"/>
-              <a:t>2019/8/16</a:t>
+              <a:t>2019/8/20</a:t>
             </a:fld>
             <a:endParaRPr lang="zh-CN" altLang="en-US"/>
           </a:p>
@@ -2951,7 +2951,7 @@
           <a:p>
             <a:fld id="{2EEC2C92-656E-4FE5-8C48-1B96565DA995}" type="datetimeFigureOut">
               <a:rPr lang="zh-CN" altLang="en-US" smtClean="0"/>
-              <a:t>2019/8/16</a:t>
+              <a:t>2019/8/20</a:t>
             </a:fld>
             <a:endParaRPr lang="zh-CN" altLang="en-US"/>
           </a:p>
@@ -3228,7 +3228,7 @@
           <a:p>
             <a:fld id="{2EEC2C92-656E-4FE5-8C48-1B96565DA995}" type="datetimeFigureOut">
               <a:rPr lang="zh-CN" altLang="en-US" smtClean="0"/>
-              <a:t>2019/8/16</a:t>
+              <a:t>2019/8/20</a:t>
             </a:fld>
             <a:endParaRPr lang="zh-CN" altLang="en-US"/>
           </a:p>
@@ -3481,7 +3481,7 @@
           <a:p>
             <a:fld id="{2EEC2C92-656E-4FE5-8C48-1B96565DA995}" type="datetimeFigureOut">
               <a:rPr lang="zh-CN" altLang="en-US" smtClean="0"/>
-              <a:t>2019/8/16</a:t>
+              <a:t>2019/8/20</a:t>
             </a:fld>
             <a:endParaRPr lang="zh-CN" altLang="en-US"/>
           </a:p>
@@ -3694,7 +3694,7 @@
           <a:p>
             <a:fld id="{2EEC2C92-656E-4FE5-8C48-1B96565DA995}" type="datetimeFigureOut">
               <a:rPr lang="zh-CN" altLang="en-US" smtClean="0"/>
-              <a:t>2019/8/16</a:t>
+              <a:t>2019/8/20</a:t>
             </a:fld>
             <a:endParaRPr lang="zh-CN" altLang="en-US"/>
           </a:p>
@@ -4106,7 +4106,7 @@
           <p:nvPr>
             <p:extLst>
               <p:ext uri="{D42A27DB-BD31-4B8C-83A1-F6EECF244321}">
-                <p14:modId xmlns:p14="http://schemas.microsoft.com/office/powerpoint/2010/main" val="4152923509"/>
+                <p14:modId xmlns:p14="http://schemas.microsoft.com/office/powerpoint/2010/main" val="4177761526"/>
               </p:ext>
             </p:extLst>
           </p:nvPr>

--- a/documents/evaluation2.pptx
+++ b/documents/evaluation2.pptx
@@ -187,19 +187,19 @@
                 <c:formatCode>General</c:formatCode>
                 <c:ptCount val="5"/>
                 <c:pt idx="0">
-                  <c:v>15</c:v>
+                  <c:v>10</c:v>
                 </c:pt>
                 <c:pt idx="1">
                   <c:v>32</c:v>
                 </c:pt>
                 <c:pt idx="2">
-                  <c:v>61</c:v>
+                  <c:v>57</c:v>
                 </c:pt>
                 <c:pt idx="3">
-                  <c:v>33</c:v>
+                  <c:v>14</c:v>
                 </c:pt>
                 <c:pt idx="4">
-                  <c:v>141</c:v>
+                  <c:v>113</c:v>
                 </c:pt>
               </c:numCache>
             </c:numRef>
@@ -214,13 +214,13 @@
               <c:strCache>
                 <c:ptCount val="1"/>
                 <c:pt idx="0">
-                  <c:v>SPRESSO(Stronger Agent)</c:v>
+                  <c:v>SPRESSO</c:v>
                 </c:pt>
               </c:strCache>
             </c:strRef>
           </c:tx>
           <c:spPr>
-            <a:pattFill prst="dkVert">
+            <a:pattFill prst="ltHorz">
               <a:fgClr>
                 <a:schemeClr val="tx1"/>
               </a:fgClr>
@@ -269,85 +269,6 @@
                   <c:v>19</c:v>
                 </c:pt>
                 <c:pt idx="1">
-                  <c:v>78</c:v>
-                </c:pt>
-                <c:pt idx="2">
-                  <c:v>127</c:v>
-                </c:pt>
-                <c:pt idx="3">
-                  <c:v>14</c:v>
-                </c:pt>
-                <c:pt idx="4">
-                  <c:v>238</c:v>
-                </c:pt>
-              </c:numCache>
-            </c:numRef>
-          </c:val>
-        </c:ser>
-        <c:ser>
-          <c:idx val="2"/>
-          <c:order val="2"/>
-          <c:tx>
-            <c:strRef>
-              <c:f>Sheet1!$D$1</c:f>
-              <c:strCache>
-                <c:ptCount val="1"/>
-                <c:pt idx="0">
-                  <c:v>SPRESSO</c:v>
-                </c:pt>
-              </c:strCache>
-            </c:strRef>
-          </c:tx>
-          <c:spPr>
-            <a:pattFill prst="dkHorz">
-              <a:fgClr>
-                <a:schemeClr val="tx1"/>
-              </a:fgClr>
-              <a:bgClr>
-                <a:schemeClr val="bg1"/>
-              </a:bgClr>
-            </a:pattFill>
-            <a:ln>
-              <a:solidFill>
-                <a:schemeClr val="tx1"/>
-              </a:solidFill>
-            </a:ln>
-            <a:effectLst/>
-          </c:spPr>
-          <c:invertIfNegative val="0"/>
-          <c:cat>
-            <c:strRef>
-              <c:f>Sheet1!$A$2:$A$6</c:f>
-              <c:strCache>
-                <c:ptCount val="5"/>
-                <c:pt idx="0">
-                  <c:v>Authentication Request Initiation</c:v>
-                </c:pt>
-                <c:pt idx="1">
-                  <c:v>Identity Proof Generation</c:v>
-                </c:pt>
-                <c:pt idx="2">
-                  <c:v>Identity Proof Transmitting</c:v>
-                </c:pt>
-                <c:pt idx="3">
-                  <c:v>Identity Proof Verification</c:v>
-                </c:pt>
-                <c:pt idx="4">
-                  <c:v>Total</c:v>
-                </c:pt>
-              </c:strCache>
-            </c:strRef>
-          </c:cat>
-          <c:val>
-            <c:numRef>
-              <c:f>Sheet1!$D$2:$D$6</c:f>
-              <c:numCache>
-                <c:formatCode>General</c:formatCode>
-                <c:ptCount val="5"/>
-                <c:pt idx="0">
-                  <c:v>19</c:v>
-                </c:pt>
-                <c:pt idx="1">
                   <c:v>79</c:v>
                 </c:pt>
                 <c:pt idx="2">
@@ -364,11 +285,11 @@
           </c:val>
         </c:ser>
         <c:ser>
-          <c:idx val="3"/>
-          <c:order val="3"/>
+          <c:idx val="2"/>
+          <c:order val="2"/>
           <c:tx>
             <c:strRef>
-              <c:f>Sheet1!$E$1</c:f>
+              <c:f>Sheet1!$D$1</c:f>
               <c:strCache>
                 <c:ptCount val="1"/>
                 <c:pt idx="0">
@@ -417,7 +338,7 @@
           </c:cat>
           <c:val>
             <c:numRef>
-              <c:f>Sheet1!$E$2:$E$6</c:f>
+              <c:f>Sheet1!$D$2:$D$6</c:f>
               <c:numCache>
                 <c:formatCode>General</c:formatCode>
                 <c:ptCount val="5"/>
@@ -605,26 +526,6 @@
       </c:legendEntry>
       <c:legendEntry>
         <c:idx val="2"/>
-        <c:txPr>
-          <a:bodyPr rot="0" spcFirstLastPara="1" vertOverflow="ellipsis" vert="horz" wrap="square" anchor="ctr" anchorCtr="1"/>
-          <a:lstStyle/>
-          <a:p>
-            <a:pPr>
-              <a:defRPr lang="zh-CN" altLang="en-US" sz="2400" b="0" i="0" u="none" strike="noStrike" kern="1200" baseline="0">
-                <a:solidFill>
-                  <a:schemeClr val="tx1"/>
-                </a:solidFill>
-                <a:latin typeface="Times New Roman" panose="02020603050405020304" pitchFamily="18" charset="0"/>
-                <a:ea typeface="+mn-ea"/>
-                <a:cs typeface="+mn-cs"/>
-              </a:defRPr>
-            </a:pPr>
-            <a:endParaRPr lang="zh-CN"/>
-          </a:p>
-        </c:txPr>
-      </c:legendEntry>
-      <c:legendEntry>
-        <c:idx val="3"/>
         <c:txPr>
           <a:bodyPr rot="0" spcFirstLastPara="1" vertOverflow="ellipsis" vert="horz" wrap="square" anchor="ctr" anchorCtr="1"/>
           <a:lstStyle/>
@@ -4106,7 +4007,7 @@
           <p:nvPr>
             <p:extLst>
               <p:ext uri="{D42A27DB-BD31-4B8C-83A1-F6EECF244321}">
-                <p14:modId xmlns:p14="http://schemas.microsoft.com/office/powerpoint/2010/main" val="4177761526"/>
+                <p14:modId xmlns:p14="http://schemas.microsoft.com/office/powerpoint/2010/main" val="3318317354"/>
               </p:ext>
             </p:extLst>
           </p:nvPr>
@@ -4130,7 +4031,7 @@
         <p:spPr>
           <a:xfrm>
             <a:off x="469392" y="0"/>
-            <a:ext cx="1087029" cy="369332"/>
+            <a:ext cx="1381981" cy="369332"/>
           </a:xfrm>
           <a:prstGeom prst="rect">
             <a:avLst/>
@@ -4148,7 +4049,7 @@
                 <a:latin typeface="Times New Roman" panose="02020603050405020304" pitchFamily="18" charset="0"/>
                 <a:cs typeface="Times New Roman" panose="02020603050405020304" pitchFamily="18" charset="0"/>
               </a:rPr>
-              <a:t>Time(</a:t>
+              <a:t>Time (in </a:t>
             </a:r>
             <a:r>
               <a:rPr lang="en-US" altLang="zh-CN" dirty="0" err="1" smtClean="0">
@@ -4163,42 +4064,6 @@
                 <a:cs typeface="Times New Roman" panose="02020603050405020304" pitchFamily="18" charset="0"/>
               </a:rPr>
               <a:t>)</a:t>
-            </a:r>
-            <a:endParaRPr lang="zh-CN" altLang="en-US" dirty="0">
-              <a:latin typeface="Times New Roman" panose="02020603050405020304" pitchFamily="18" charset="0"/>
-              <a:cs typeface="Times New Roman" panose="02020603050405020304" pitchFamily="18" charset="0"/>
-            </a:endParaRPr>
-          </a:p>
-        </p:txBody>
-      </p:sp>
-      <p:sp>
-        <p:nvSpPr>
-          <p:cNvPr id="4" name="文本框 3"/>
-          <p:cNvSpPr txBox="1"/>
-          <p:nvPr/>
-        </p:nvSpPr>
-        <p:spPr>
-          <a:xfrm>
-            <a:off x="11548872" y="5346954"/>
-            <a:ext cx="723275" cy="369332"/>
-          </a:xfrm>
-          <a:prstGeom prst="rect">
-            <a:avLst/>
-          </a:prstGeom>
-          <a:noFill/>
-        </p:spPr>
-        <p:txBody>
-          <a:bodyPr wrap="none" rtlCol="0">
-            <a:spAutoFit/>
-          </a:bodyPr>
-          <a:lstStyle/>
-          <a:p>
-            <a:r>
-              <a:rPr lang="en-US" altLang="zh-CN" dirty="0" smtClean="0">
-                <a:latin typeface="Times New Roman" panose="02020603050405020304" pitchFamily="18" charset="0"/>
-                <a:cs typeface="Times New Roman" panose="02020603050405020304" pitchFamily="18" charset="0"/>
-              </a:rPr>
-              <a:t>Phase</a:t>
             </a:r>
             <a:endParaRPr lang="zh-CN" altLang="en-US" dirty="0">
               <a:latin typeface="Times New Roman" panose="02020603050405020304" pitchFamily="18" charset="0"/>

--- a/documents/evaluation2.pptx
+++ b/documents/evaluation2.pptx
@@ -371,11 +371,11 @@
         </c:dLbls>
         <c:gapWidth val="30"/>
         <c:overlap val="-9"/>
-        <c:axId val="1590166032"/>
-        <c:axId val="1590166576"/>
+        <c:axId val="1019500672"/>
+        <c:axId val="1019501216"/>
       </c:barChart>
       <c:catAx>
-        <c:axId val="1590166032"/>
+        <c:axId val="1019500672"/>
         <c:scaling>
           <c:orientation val="minMax"/>
         </c:scaling>
@@ -412,7 +412,7 @@
             <a:endParaRPr lang="zh-CN"/>
           </a:p>
         </c:txPr>
-        <c:crossAx val="1590166576"/>
+        <c:crossAx val="1019501216"/>
         <c:crosses val="autoZero"/>
         <c:auto val="1"/>
         <c:lblAlgn val="ctr"/>
@@ -420,7 +420,7 @@
         <c:noMultiLvlLbl val="0"/>
       </c:catAx>
       <c:valAx>
-        <c:axId val="1590166576"/>
+        <c:axId val="1019501216"/>
         <c:scaling>
           <c:orientation val="minMax"/>
         </c:scaling>
@@ -470,7 +470,7 @@
             <a:endParaRPr lang="zh-CN"/>
           </a:p>
         </c:txPr>
-        <c:crossAx val="1590166032"/>
+        <c:crossAx val="1019500672"/>
         <c:crosses val="autoZero"/>
         <c:crossBetween val="between"/>
       </c:valAx>
@@ -544,7 +544,16 @@
           </a:p>
         </c:txPr>
       </c:legendEntry>
-      <c:layout/>
+      <c:layout>
+        <c:manualLayout>
+          <c:xMode val="edge"/>
+          <c:yMode val="edge"/>
+          <c:x val="0.19469843958502422"/>
+          <c:y val="2.798245219347582E-2"/>
+          <c:w val="0.6095504898616827"/>
+          <c:h val="8.6303262092238472E-2"/>
+        </c:manualLayout>
+      </c:layout>
       <c:overlay val="0"/>
       <c:spPr>
         <a:noFill/>
@@ -1274,7 +1283,7 @@
           <a:p>
             <a:fld id="{2EEC2C92-656E-4FE5-8C48-1B96565DA995}" type="datetimeFigureOut">
               <a:rPr lang="zh-CN" altLang="en-US" smtClean="0"/>
-              <a:t>2019/8/20</a:t>
+              <a:t>2019/8/28</a:t>
             </a:fld>
             <a:endParaRPr lang="zh-CN" altLang="en-US"/>
           </a:p>
@@ -1444,7 +1453,7 @@
           <a:p>
             <a:fld id="{2EEC2C92-656E-4FE5-8C48-1B96565DA995}" type="datetimeFigureOut">
               <a:rPr lang="zh-CN" altLang="en-US" smtClean="0"/>
-              <a:t>2019/8/20</a:t>
+              <a:t>2019/8/28</a:t>
             </a:fld>
             <a:endParaRPr lang="zh-CN" altLang="en-US"/>
           </a:p>
@@ -1624,7 +1633,7 @@
           <a:p>
             <a:fld id="{2EEC2C92-656E-4FE5-8C48-1B96565DA995}" type="datetimeFigureOut">
               <a:rPr lang="zh-CN" altLang="en-US" smtClean="0"/>
-              <a:t>2019/8/20</a:t>
+              <a:t>2019/8/28</a:t>
             </a:fld>
             <a:endParaRPr lang="zh-CN" altLang="en-US"/>
           </a:p>
@@ -1794,7 +1803,7 @@
           <a:p>
             <a:fld id="{2EEC2C92-656E-4FE5-8C48-1B96565DA995}" type="datetimeFigureOut">
               <a:rPr lang="zh-CN" altLang="en-US" smtClean="0"/>
-              <a:t>2019/8/20</a:t>
+              <a:t>2019/8/28</a:t>
             </a:fld>
             <a:endParaRPr lang="zh-CN" altLang="en-US"/>
           </a:p>
@@ -2040,7 +2049,7 @@
           <a:p>
             <a:fld id="{2EEC2C92-656E-4FE5-8C48-1B96565DA995}" type="datetimeFigureOut">
               <a:rPr lang="zh-CN" altLang="en-US" smtClean="0"/>
-              <a:t>2019/8/20</a:t>
+              <a:t>2019/8/28</a:t>
             </a:fld>
             <a:endParaRPr lang="zh-CN" altLang="en-US"/>
           </a:p>
@@ -2272,7 +2281,7 @@
           <a:p>
             <a:fld id="{2EEC2C92-656E-4FE5-8C48-1B96565DA995}" type="datetimeFigureOut">
               <a:rPr lang="zh-CN" altLang="en-US" smtClean="0"/>
-              <a:t>2019/8/20</a:t>
+              <a:t>2019/8/28</a:t>
             </a:fld>
             <a:endParaRPr lang="zh-CN" altLang="en-US"/>
           </a:p>
@@ -2639,7 +2648,7 @@
           <a:p>
             <a:fld id="{2EEC2C92-656E-4FE5-8C48-1B96565DA995}" type="datetimeFigureOut">
               <a:rPr lang="zh-CN" altLang="en-US" smtClean="0"/>
-              <a:t>2019/8/20</a:t>
+              <a:t>2019/8/28</a:t>
             </a:fld>
             <a:endParaRPr lang="zh-CN" altLang="en-US"/>
           </a:p>
@@ -2757,7 +2766,7 @@
           <a:p>
             <a:fld id="{2EEC2C92-656E-4FE5-8C48-1B96565DA995}" type="datetimeFigureOut">
               <a:rPr lang="zh-CN" altLang="en-US" smtClean="0"/>
-              <a:t>2019/8/20</a:t>
+              <a:t>2019/8/28</a:t>
             </a:fld>
             <a:endParaRPr lang="zh-CN" altLang="en-US"/>
           </a:p>
@@ -2852,7 +2861,7 @@
           <a:p>
             <a:fld id="{2EEC2C92-656E-4FE5-8C48-1B96565DA995}" type="datetimeFigureOut">
               <a:rPr lang="zh-CN" altLang="en-US" smtClean="0"/>
-              <a:t>2019/8/20</a:t>
+              <a:t>2019/8/28</a:t>
             </a:fld>
             <a:endParaRPr lang="zh-CN" altLang="en-US"/>
           </a:p>
@@ -3129,7 +3138,7 @@
           <a:p>
             <a:fld id="{2EEC2C92-656E-4FE5-8C48-1B96565DA995}" type="datetimeFigureOut">
               <a:rPr lang="zh-CN" altLang="en-US" smtClean="0"/>
-              <a:t>2019/8/20</a:t>
+              <a:t>2019/8/28</a:t>
             </a:fld>
             <a:endParaRPr lang="zh-CN" altLang="en-US"/>
           </a:p>
@@ -3382,7 +3391,7 @@
           <a:p>
             <a:fld id="{2EEC2C92-656E-4FE5-8C48-1B96565DA995}" type="datetimeFigureOut">
               <a:rPr lang="zh-CN" altLang="en-US" smtClean="0"/>
-              <a:t>2019/8/20</a:t>
+              <a:t>2019/8/28</a:t>
             </a:fld>
             <a:endParaRPr lang="zh-CN" altLang="en-US"/>
           </a:p>
@@ -3595,7 +3604,7 @@
           <a:p>
             <a:fld id="{2EEC2C92-656E-4FE5-8C48-1B96565DA995}" type="datetimeFigureOut">
               <a:rPr lang="zh-CN" altLang="en-US" smtClean="0"/>
-              <a:t>2019/8/20</a:t>
+              <a:t>2019/8/28</a:t>
             </a:fld>
             <a:endParaRPr lang="zh-CN" altLang="en-US"/>
           </a:p>
@@ -4007,7 +4016,7 @@
           <p:nvPr>
             <p:extLst>
               <p:ext uri="{D42A27DB-BD31-4B8C-83A1-F6EECF244321}">
-                <p14:modId xmlns:p14="http://schemas.microsoft.com/office/powerpoint/2010/main" val="3318317354"/>
+                <p14:modId xmlns:p14="http://schemas.microsoft.com/office/powerpoint/2010/main" val="181700022"/>
               </p:ext>
             </p:extLst>
           </p:nvPr>
